--- a/12_ヒューマンインタラクティブテクノロジー/WorkSheet_HITからの質問事項_三宅悠暉(金沢大学大学院).pptx
+++ b/12_ヒューマンインタラクティブテクノロジー/WorkSheet_HITからの質問事項_三宅悠暉(金沢大学大学院).pptx
@@ -3927,7 +3927,7 @@
                 <a:latin typeface="Meiryo UI" panose="020B0604030504040204" pitchFamily="50" charset="-128"/>
                 <a:ea typeface="Meiryo UI" panose="020B0604030504040204" pitchFamily="50" charset="-128"/>
               </a:rPr>
-              <a:t>:</a:t>
+              <a:t>:2022/04/10</a:t>
             </a:r>
             <a:r>
               <a:rPr lang="ja-JP" altLang="en-US" sz="1200" dirty="0">
@@ -3936,34 +3936,6 @@
               </a:rPr>
               <a:t>　　　</a:t>
             </a:r>
-            <a:r>
-              <a:rPr lang="en-US" altLang="ja-JP" sz="1200" dirty="0">
-                <a:latin typeface="Meiryo UI" panose="020B0604030504040204" pitchFamily="50" charset="-128"/>
-                <a:ea typeface="Meiryo UI" panose="020B0604030504040204" pitchFamily="50" charset="-128"/>
-              </a:rPr>
-              <a:t>/</a:t>
-            </a:r>
-            <a:r>
-              <a:rPr lang="ja-JP" altLang="en-US" sz="1200" dirty="0">
-                <a:latin typeface="Meiryo UI" panose="020B0604030504040204" pitchFamily="50" charset="-128"/>
-                <a:ea typeface="Meiryo UI" panose="020B0604030504040204" pitchFamily="50" charset="-128"/>
-              </a:rPr>
-              <a:t>　　　</a:t>
-            </a:r>
-            <a:r>
-              <a:rPr lang="en-US" altLang="ja-JP" sz="1200" dirty="0">
-                <a:latin typeface="Meiryo UI" panose="020B0604030504040204" pitchFamily="50" charset="-128"/>
-                <a:ea typeface="Meiryo UI" panose="020B0604030504040204" pitchFamily="50" charset="-128"/>
-              </a:rPr>
-              <a:t>/</a:t>
-            </a:r>
-            <a:r>
-              <a:rPr lang="ja-JP" altLang="en-US" sz="1200" dirty="0">
-                <a:latin typeface="Meiryo UI" panose="020B0604030504040204" pitchFamily="50" charset="-128"/>
-                <a:ea typeface="Meiryo UI" panose="020B0604030504040204" pitchFamily="50" charset="-128"/>
-              </a:rPr>
-              <a:t>　　　</a:t>
-            </a:r>
             <a:endParaRPr lang="en-US" altLang="ja-JP" sz="1200" dirty="0">
               <a:latin typeface="Meiryo UI" panose="020B0604030504040204" pitchFamily="50" charset="-128"/>
               <a:ea typeface="Meiryo UI" panose="020B0604030504040204" pitchFamily="50" charset="-128"/>
@@ -3983,7 +3955,21 @@
                 <a:latin typeface="Meiryo UI" panose="020B0604030504040204" pitchFamily="50" charset="-128"/>
                 <a:ea typeface="Meiryo UI" panose="020B0604030504040204" pitchFamily="50" charset="-128"/>
               </a:rPr>
-              <a:t>: </a:t>
+              <a:t>:</a:t>
+            </a:r>
+            <a:r>
+              <a:rPr lang="ja-JP" altLang="en-US" sz="1200">
+                <a:latin typeface="Meiryo UI" panose="020B0604030504040204" pitchFamily="50" charset="-128"/>
+                <a:ea typeface="Meiryo UI" panose="020B0604030504040204" pitchFamily="50" charset="-128"/>
+              </a:rPr>
+              <a:t>三宅悠暉</a:t>
+            </a:r>
+            <a:r>
+              <a:rPr lang="en-US" altLang="ja-JP" sz="1200">
+                <a:latin typeface="Meiryo UI" panose="020B0604030504040204" pitchFamily="50" charset="-128"/>
+                <a:ea typeface="Meiryo UI" panose="020B0604030504040204" pitchFamily="50" charset="-128"/>
+              </a:rPr>
+              <a:t> </a:t>
             </a:r>
             <a:r>
               <a:rPr lang="ja-JP" altLang="en-US" sz="1200" u="sng" dirty="0">
@@ -4001,10 +3987,10 @@
       </p:sp>
       <p:sp>
         <p:nvSpPr>
-          <p:cNvPr id="8" name="正方形/長方形 7">
+          <p:cNvPr id="15" name="正方形/長方形 14">
             <a:extLst>
               <a:ext uri="{FF2B5EF4-FFF2-40B4-BE49-F238E27FC236}">
-                <a16:creationId xmlns:a16="http://schemas.microsoft.com/office/drawing/2014/main" id="{D605724A-8371-4E5E-A128-818F938A9BB9}"/>
+                <a16:creationId xmlns:a16="http://schemas.microsoft.com/office/drawing/2014/main" id="{0EA3AE2B-E426-4003-911B-86FE55CAA9DA}"/>
               </a:ext>
             </a:extLst>
           </p:cNvPr>
@@ -4013,7 +3999,7 @@
         </p:nvSpPr>
         <p:spPr bwMode="auto">
           <a:xfrm>
-            <a:off x="2792759" y="764704"/>
+            <a:off x="2792757" y="764704"/>
             <a:ext cx="6925725" cy="1872000"/>
           </a:xfrm>
           <a:prstGeom prst="rect">
@@ -4057,14 +4043,110 @@
               <a:buNone/>
               <a:tabLst/>
             </a:pPr>
-            <a:endParaRPr kumimoji="1" lang="ja-JP" altLang="en-US" sz="1600" b="0" i="0" u="none" strike="noStrike" cap="none" normalizeH="0" baseline="0" dirty="0">
-              <a:ln>
-                <a:noFill/>
-              </a:ln>
+            <a:r>
+              <a:rPr lang="en-US" altLang="ja-JP" sz="1600" dirty="0">
+                <a:solidFill>
+                  <a:schemeClr val="tx2"/>
+                </a:solidFill>
+                <a:latin typeface="Meiryo UI" panose="020B0604030504040204" pitchFamily="50" charset="-128"/>
+                <a:ea typeface="Meiryo UI" panose="020B0604030504040204" pitchFamily="50" charset="-128"/>
+              </a:rPr>
+              <a:t>IT×</a:t>
+            </a:r>
+            <a:r>
+              <a:rPr lang="ja-JP" altLang="en-US" sz="1600" dirty="0">
+                <a:solidFill>
+                  <a:schemeClr val="tx2"/>
+                </a:solidFill>
+                <a:latin typeface="Meiryo UI" panose="020B0604030504040204" pitchFamily="50" charset="-128"/>
+                <a:ea typeface="Meiryo UI" panose="020B0604030504040204" pitchFamily="50" charset="-128"/>
+              </a:rPr>
+              <a:t>機械を実現し，ハードウェアを最大限活用した</a:t>
+            </a:r>
+            <a:r>
+              <a:rPr lang="en-US" altLang="ja-JP" sz="1600" dirty="0">
+                <a:solidFill>
+                  <a:schemeClr val="tx2"/>
+                </a:solidFill>
+                <a:latin typeface="Meiryo UI" panose="020B0604030504040204" pitchFamily="50" charset="-128"/>
+                <a:ea typeface="Meiryo UI" panose="020B0604030504040204" pitchFamily="50" charset="-128"/>
+              </a:rPr>
+              <a:t>IT</a:t>
+            </a:r>
+            <a:r>
+              <a:rPr lang="ja-JP" altLang="en-US" sz="1600" dirty="0">
+                <a:solidFill>
+                  <a:schemeClr val="tx2"/>
+                </a:solidFill>
+                <a:latin typeface="Meiryo UI" panose="020B0604030504040204" pitchFamily="50" charset="-128"/>
+                <a:ea typeface="Meiryo UI" panose="020B0604030504040204" pitchFamily="50" charset="-128"/>
+              </a:rPr>
+              <a:t>でお客様の課題を解決したい．私は出身が岐阜市・現在は金沢市に住んでいますがどちらも都会ではありません．そんな地元ならではの零細企業は</a:t>
+            </a:r>
+            <a:r>
+              <a:rPr lang="en-US" altLang="ja-JP" sz="1600" dirty="0">
+                <a:solidFill>
+                  <a:schemeClr val="tx2"/>
+                </a:solidFill>
+                <a:latin typeface="Meiryo UI" panose="020B0604030504040204" pitchFamily="50" charset="-128"/>
+                <a:ea typeface="Meiryo UI" panose="020B0604030504040204" pitchFamily="50" charset="-128"/>
+              </a:rPr>
+              <a:t>IT</a:t>
+            </a:r>
+            <a:r>
+              <a:rPr lang="ja-JP" altLang="en-US" sz="1600" dirty="0">
+                <a:solidFill>
+                  <a:schemeClr val="tx2"/>
+                </a:solidFill>
+                <a:latin typeface="Meiryo UI" panose="020B0604030504040204" pitchFamily="50" charset="-128"/>
+                <a:ea typeface="Meiryo UI" panose="020B0604030504040204" pitchFamily="50" charset="-128"/>
+              </a:rPr>
+              <a:t>を導入したいけど，誰に相談したら良いかも分からないといった状況です．やはり都会から離れれば離れるほど</a:t>
+            </a:r>
+            <a:r>
+              <a:rPr lang="en-US" altLang="ja-JP" sz="1600" dirty="0">
+                <a:solidFill>
+                  <a:schemeClr val="tx2"/>
+                </a:solidFill>
+                <a:latin typeface="Meiryo UI" panose="020B0604030504040204" pitchFamily="50" charset="-128"/>
+                <a:ea typeface="Meiryo UI" panose="020B0604030504040204" pitchFamily="50" charset="-128"/>
+              </a:rPr>
+              <a:t>IT</a:t>
+            </a:r>
+            <a:r>
+              <a:rPr lang="ja-JP" altLang="en-US" sz="1600" dirty="0">
+                <a:solidFill>
+                  <a:schemeClr val="tx2"/>
+                </a:solidFill>
+                <a:latin typeface="Meiryo UI" panose="020B0604030504040204" pitchFamily="50" charset="-128"/>
+                <a:ea typeface="Meiryo UI" panose="020B0604030504040204" pitchFamily="50" charset="-128"/>
+              </a:rPr>
+              <a:t>化は遅れ，最終的にはそこにある企業は衰退していきます．そうなると地域自体が衰退していきます．それらを私の手で救うために</a:t>
+            </a:r>
+            <a:r>
+              <a:rPr lang="en-US" altLang="ja-JP" sz="1600" dirty="0">
+                <a:solidFill>
+                  <a:schemeClr val="tx2"/>
+                </a:solidFill>
+                <a:latin typeface="Meiryo UI" panose="020B0604030504040204" pitchFamily="50" charset="-128"/>
+                <a:ea typeface="Meiryo UI" panose="020B0604030504040204" pitchFamily="50" charset="-128"/>
+              </a:rPr>
+              <a:t>IT</a:t>
+            </a:r>
+            <a:r>
+              <a:rPr lang="ja-JP" altLang="en-US" sz="1600" dirty="0">
+                <a:solidFill>
+                  <a:schemeClr val="tx2"/>
+                </a:solidFill>
+                <a:latin typeface="Meiryo UI" panose="020B0604030504040204" pitchFamily="50" charset="-128"/>
+                <a:ea typeface="Meiryo UI" panose="020B0604030504040204" pitchFamily="50" charset="-128"/>
+              </a:rPr>
+              <a:t>業界を志望しています．私は機械系の分野を学んできましたが，その知識だけではお客様の解決はできません．</a:t>
+            </a:r>
+            <a:endParaRPr lang="en-US" altLang="ja-JP" sz="1600" dirty="0">
               <a:solidFill>
                 <a:schemeClr val="tx2"/>
               </a:solidFill>
-              <a:effectLst/>
               <a:latin typeface="Meiryo UI" panose="020B0604030504040204" pitchFamily="50" charset="-128"/>
               <a:ea typeface="Meiryo UI" panose="020B0604030504040204" pitchFamily="50" charset="-128"/>
             </a:endParaRPr>
@@ -4073,10 +4155,10 @@
       </p:sp>
       <p:sp>
         <p:nvSpPr>
-          <p:cNvPr id="9" name="正方形/長方形 8">
+          <p:cNvPr id="16" name="正方形/長方形 15">
             <a:extLst>
               <a:ext uri="{FF2B5EF4-FFF2-40B4-BE49-F238E27FC236}">
-                <a16:creationId xmlns:a16="http://schemas.microsoft.com/office/drawing/2014/main" id="{4EDC351E-9847-4431-B63A-1F9972175CFD}"/>
+                <a16:creationId xmlns:a16="http://schemas.microsoft.com/office/drawing/2014/main" id="{3EC5ED9C-604F-4088-8328-56110347FF50}"/>
               </a:ext>
             </a:extLst>
           </p:cNvPr>
@@ -4085,7 +4167,7 @@
         </p:nvSpPr>
         <p:spPr bwMode="auto">
           <a:xfrm>
-            <a:off x="2792759" y="2688540"/>
+            <a:off x="2792758" y="2671958"/>
             <a:ext cx="6925725" cy="1872000"/>
           </a:xfrm>
           <a:prstGeom prst="rect">
@@ -4129,6 +4211,20 @@
               <a:buNone/>
               <a:tabLst/>
             </a:pPr>
+            <a:r>
+              <a:rPr kumimoji="1" lang="en-US" altLang="ja-JP" sz="1600" b="0" i="0" u="none" strike="noStrike" cap="none" normalizeH="0" baseline="0" dirty="0">
+                <a:ln>
+                  <a:noFill/>
+                </a:ln>
+                <a:solidFill>
+                  <a:schemeClr val="tx2"/>
+                </a:solidFill>
+                <a:effectLst/>
+                <a:latin typeface="Meiryo UI" panose="020B0604030504040204" pitchFamily="50" charset="-128"/>
+                <a:ea typeface="Meiryo UI" panose="020B0604030504040204" pitchFamily="50" charset="-128"/>
+              </a:rPr>
+              <a:t>a</a:t>
+            </a:r>
             <a:endParaRPr kumimoji="1" lang="ja-JP" altLang="en-US" sz="1600" b="0" i="0" u="none" strike="noStrike" cap="none" normalizeH="0" baseline="0" dirty="0">
               <a:ln>
                 <a:noFill/>
@@ -4145,10 +4241,10 @@
       </p:sp>
       <p:sp>
         <p:nvSpPr>
-          <p:cNvPr id="14" name="正方形/長方形 13">
+          <p:cNvPr id="19" name="正方形/長方形 18">
             <a:extLst>
               <a:ext uri="{FF2B5EF4-FFF2-40B4-BE49-F238E27FC236}">
-                <a16:creationId xmlns:a16="http://schemas.microsoft.com/office/drawing/2014/main" id="{6FB21AF3-BE93-4C0D-8A7F-B3408D16D6D7}"/>
+                <a16:creationId xmlns:a16="http://schemas.microsoft.com/office/drawing/2014/main" id="{25D6C441-0D60-4BB0-8B65-8C012F0F3AC5}"/>
               </a:ext>
             </a:extLst>
           </p:cNvPr>
@@ -4157,7 +4253,7 @@
         </p:nvSpPr>
         <p:spPr bwMode="auto">
           <a:xfrm>
-            <a:off x="2792759" y="4612376"/>
+            <a:off x="2792758" y="4612376"/>
             <a:ext cx="6925725" cy="1872000"/>
           </a:xfrm>
           <a:prstGeom prst="rect">
@@ -4201,6 +4297,20 @@
               <a:buNone/>
               <a:tabLst/>
             </a:pPr>
+            <a:r>
+              <a:rPr kumimoji="1" lang="en-US" altLang="ja-JP" sz="1600" b="0" i="0" u="none" strike="noStrike" cap="none" normalizeH="0" baseline="0" dirty="0">
+                <a:ln>
+                  <a:noFill/>
+                </a:ln>
+                <a:solidFill>
+                  <a:schemeClr val="tx2"/>
+                </a:solidFill>
+                <a:effectLst/>
+                <a:latin typeface="Meiryo UI" panose="020B0604030504040204" pitchFamily="50" charset="-128"/>
+                <a:ea typeface="Meiryo UI" panose="020B0604030504040204" pitchFamily="50" charset="-128"/>
+              </a:rPr>
+              <a:t>a</a:t>
+            </a:r>
             <a:endParaRPr kumimoji="1" lang="ja-JP" altLang="en-US" sz="1600" b="0" i="0" u="none" strike="noStrike" cap="none" normalizeH="0" baseline="0" dirty="0">
               <a:ln>
                 <a:noFill/>
@@ -5435,21 +5545,6 @@
 </file>
 
 <file path=customXml/item1.xml><?xml version="1.0" encoding="utf-8"?>
-<?mso-contentType ?>
-<FormTemplates xmlns="http://schemas.microsoft.com/sharepoint/v3/contenttype/forms">
-  <Display>DocumentLibraryForm</Display>
-  <Edit>DocumentLibraryForm</Edit>
-  <New>DocumentLibraryForm</New>
-</FormTemplates>
-</file>
-
-<file path=customXml/item2.xml><?xml version="1.0" encoding="utf-8"?>
-<p:properties xmlns:p="http://schemas.microsoft.com/office/2006/metadata/properties" xmlns:xsi="http://www.w3.org/2001/XMLSchema-instance">
-  <documentManagement/>
-</p:properties>
-</file>
-
-<file path=customXml/item3.xml><?xml version="1.0" encoding="utf-8"?>
 <ct:contentTypeSchema xmlns:ct="http://schemas.microsoft.com/office/2006/metadata/contentType" xmlns:ma="http://schemas.microsoft.com/office/2006/metadata/properties/metaAttributes" ct:_="" ma:_="" ma:contentTypeName="ドキュメント" ma:contentTypeID="0x010100D90B325E6892AD4FA473706664B18A7D" ma:contentTypeVersion="0" ma:contentTypeDescription="新しいドキュメントを作成します。" ma:contentTypeScope="" ma:versionID="88dc045d89b1bcf1f51fb0fff5ca5938">
   <xsd:schema xmlns:xsd="http://www.w3.org/2001/XMLSchema" xmlns:p="http://schemas.microsoft.com/office/2006/metadata/properties" targetNamespace="http://schemas.microsoft.com/office/2006/metadata/properties" ma:root="true" ma:fieldsID="f4cff559f9a06213828a8956bc5bb220">
     <xsd:element name="properties">
@@ -5498,10 +5593,32 @@
 </ct:contentTypeSchema>
 </file>
 
+<file path=customXml/item2.xml><?xml version="1.0" encoding="utf-8"?>
+<p:properties xmlns:p="http://schemas.microsoft.com/office/2006/metadata/properties" xmlns:xsi="http://www.w3.org/2001/XMLSchema-instance">
+  <documentManagement/>
+</p:properties>
+</file>
+
+<file path=customXml/item3.xml><?xml version="1.0" encoding="utf-8"?>
+<?mso-contentType ?>
+<FormTemplates xmlns="http://schemas.microsoft.com/sharepoint/v3/contenttype/forms">
+  <Display>DocumentLibraryForm</Display>
+  <Edit>DocumentLibraryForm</Edit>
+  <New>DocumentLibraryForm</New>
+</FormTemplates>
+</file>
+
 <file path=customXml/itemProps1.xml><?xml version="1.0" encoding="utf-8"?>
-<ds:datastoreItem xmlns:ds="http://schemas.openxmlformats.org/officeDocument/2006/customXml" ds:itemID="{7E1A7E4F-CBBE-41CC-B455-C0337DF3F3D5}">
+<ds:datastoreItem xmlns:ds="http://schemas.openxmlformats.org/officeDocument/2006/customXml" ds:itemID="{9C049CBC-2CF0-4144-8497-1908E9DC485E}">
   <ds:schemaRefs>
-    <ds:schemaRef ds:uri="http://schemas.microsoft.com/sharepoint/v3/contenttype/forms"/>
+    <ds:schemaRef ds:uri="http://schemas.microsoft.com/office/2006/metadata/contentType"/>
+    <ds:schemaRef ds:uri="http://schemas.microsoft.com/office/2006/metadata/properties/metaAttributes"/>
+    <ds:schemaRef ds:uri="http://www.w3.org/2001/XMLSchema"/>
+    <ds:schemaRef ds:uri="http://schemas.microsoft.com/office/2006/metadata/properties"/>
+    <ds:schemaRef ds:uri="http://schemas.openxmlformats.org/package/2006/metadata/core-properties"/>
+    <ds:schemaRef ds:uri="http://purl.org/dc/elements/1.1/"/>
+    <ds:schemaRef ds:uri="http://purl.org/dc/terms/"/>
+    <ds:schemaRef ds:uri="http://schemas.microsoft.com/office/internal/2005/internalDocumentation"/>
   </ds:schemaRefs>
 </ds:datastoreItem>
 </file>
@@ -5521,16 +5638,9 @@
 </file>
 
 <file path=customXml/itemProps3.xml><?xml version="1.0" encoding="utf-8"?>
-<ds:datastoreItem xmlns:ds="http://schemas.openxmlformats.org/officeDocument/2006/customXml" ds:itemID="{9C049CBC-2CF0-4144-8497-1908E9DC485E}">
+<ds:datastoreItem xmlns:ds="http://schemas.openxmlformats.org/officeDocument/2006/customXml" ds:itemID="{7E1A7E4F-CBBE-41CC-B455-C0337DF3F3D5}">
   <ds:schemaRefs>
-    <ds:schemaRef ds:uri="http://schemas.microsoft.com/office/2006/metadata/contentType"/>
-    <ds:schemaRef ds:uri="http://schemas.microsoft.com/office/2006/metadata/properties/metaAttributes"/>
-    <ds:schemaRef ds:uri="http://www.w3.org/2001/XMLSchema"/>
-    <ds:schemaRef ds:uri="http://schemas.microsoft.com/office/2006/metadata/properties"/>
-    <ds:schemaRef ds:uri="http://schemas.openxmlformats.org/package/2006/metadata/core-properties"/>
-    <ds:schemaRef ds:uri="http://purl.org/dc/elements/1.1/"/>
-    <ds:schemaRef ds:uri="http://purl.org/dc/terms/"/>
-    <ds:schemaRef ds:uri="http://schemas.microsoft.com/office/internal/2005/internalDocumentation"/>
+    <ds:schemaRef ds:uri="http://schemas.microsoft.com/sharepoint/v3/contenttype/forms"/>
   </ds:schemaRefs>
 </ds:datastoreItem>
 </file>
--- a/12_ヒューマンインタラクティブテクノロジー/WorkSheet_HITからの質問事項_三宅悠暉(金沢大学大学院).pptx
+++ b/12_ヒューマンインタラクティブテクノロジー/WorkSheet_HITからの質問事項_三宅悠暉(金沢大学大学院).pptx
@@ -3923,14 +3923,14 @@
               <a:t>作成日</a:t>
             </a:r>
             <a:r>
-              <a:rPr lang="en-US" altLang="ja-JP" sz="1200" dirty="0">
+              <a:rPr lang="en-US" altLang="ja-JP" sz="1200">
                 <a:latin typeface="Meiryo UI" panose="020B0604030504040204" pitchFamily="50" charset="-128"/>
                 <a:ea typeface="Meiryo UI" panose="020B0604030504040204" pitchFamily="50" charset="-128"/>
               </a:rPr>
-              <a:t>:2022/04/10</a:t>
-            </a:r>
-            <a:r>
-              <a:rPr lang="ja-JP" altLang="en-US" sz="1200" dirty="0">
+              <a:t>:2022/04/11</a:t>
+            </a:r>
+            <a:r>
+              <a:rPr lang="ja-JP" altLang="en-US" sz="1200">
                 <a:latin typeface="Meiryo UI" panose="020B0604030504040204" pitchFamily="50" charset="-128"/>
                 <a:ea typeface="Meiryo UI" panose="020B0604030504040204" pitchFamily="50" charset="-128"/>
               </a:rPr>
@@ -3958,14 +3958,14 @@
               <a:t>:</a:t>
             </a:r>
             <a:r>
-              <a:rPr lang="ja-JP" altLang="en-US" sz="1200">
+              <a:rPr lang="ja-JP" altLang="en-US" sz="1200" dirty="0">
                 <a:latin typeface="Meiryo UI" panose="020B0604030504040204" pitchFamily="50" charset="-128"/>
                 <a:ea typeface="Meiryo UI" panose="020B0604030504040204" pitchFamily="50" charset="-128"/>
               </a:rPr>
               <a:t>三宅悠暉</a:t>
             </a:r>
             <a:r>
-              <a:rPr lang="en-US" altLang="ja-JP" sz="1200">
+              <a:rPr lang="en-US" altLang="ja-JP" sz="1200" dirty="0">
                 <a:latin typeface="Meiryo UI" panose="020B0604030504040204" pitchFamily="50" charset="-128"/>
                 <a:ea typeface="Meiryo UI" panose="020B0604030504040204" pitchFamily="50" charset="-128"/>
               </a:rPr>
@@ -4044,7 +4044,7 @@
               <a:tabLst/>
             </a:pPr>
             <a:r>
-              <a:rPr lang="en-US" altLang="ja-JP" sz="1600" dirty="0">
+              <a:rPr lang="en-US" altLang="ja-JP" dirty="0">
                 <a:solidFill>
                   <a:schemeClr val="tx2"/>
                 </a:solidFill>
@@ -4054,17 +4054,17 @@
               <a:t>IT×</a:t>
             </a:r>
             <a:r>
-              <a:rPr lang="ja-JP" altLang="en-US" sz="1600" dirty="0">
+              <a:rPr lang="ja-JP" altLang="en-US" dirty="0">
                 <a:solidFill>
                   <a:schemeClr val="tx2"/>
                 </a:solidFill>
                 <a:latin typeface="Meiryo UI" panose="020B0604030504040204" pitchFamily="50" charset="-128"/>
                 <a:ea typeface="Meiryo UI" panose="020B0604030504040204" pitchFamily="50" charset="-128"/>
               </a:rPr>
-              <a:t>機械を実現し，ハードウェアを最大限活用した</a:t>
-            </a:r>
-            <a:r>
-              <a:rPr lang="en-US" altLang="ja-JP" sz="1600" dirty="0">
+              <a:t>機械を実現し，ハードウェアを最大限活用した提案でお客様の近くで課題を解決したいからです．私は機械系の分野を学んできましたが，ものづくりに関する知識のみではお客様の課題を直接解決することができません．お客様の課題を解決するためには，お客様の業務などを熟知している必要があるのはもちろんですが，課題を的確に捉えるという論理的思考も必要になります．また，</a:t>
+            </a:r>
+            <a:r>
+              <a:rPr lang="en-US" altLang="ja-JP" dirty="0">
                 <a:solidFill>
                   <a:schemeClr val="tx2"/>
                 </a:solidFill>
@@ -4074,17 +4074,17 @@
               <a:t>IT</a:t>
             </a:r>
             <a:r>
-              <a:rPr lang="ja-JP" altLang="en-US" sz="1600" dirty="0">
+              <a:rPr lang="ja-JP" altLang="en-US" dirty="0">
                 <a:solidFill>
                   <a:schemeClr val="tx2"/>
                 </a:solidFill>
                 <a:latin typeface="Meiryo UI" panose="020B0604030504040204" pitchFamily="50" charset="-128"/>
                 <a:ea typeface="Meiryo UI" panose="020B0604030504040204" pitchFamily="50" charset="-128"/>
               </a:rPr>
-              <a:t>でお客様の課題を解決したい．私は出身が岐阜市・現在は金沢市に住んでいますがどちらも都会ではありません．そんな地元ならではの零細企業は</a:t>
-            </a:r>
-            <a:r>
-              <a:rPr lang="en-US" altLang="ja-JP" sz="1600" dirty="0">
+              <a:t>の技術には必ずと言ってよいほど機械が関わっています．機械の知識を活用することによって，提案の幅が広がると考えています．より幅広く的確なソリューションを提案できるようになるためにも，</a:t>
+            </a:r>
+            <a:r>
+              <a:rPr lang="en-US" altLang="ja-JP" dirty="0">
                 <a:solidFill>
                   <a:schemeClr val="tx2"/>
                 </a:solidFill>
@@ -4094,56 +4094,36 @@
               <a:t>IT</a:t>
             </a:r>
             <a:r>
-              <a:rPr lang="ja-JP" altLang="en-US" sz="1600" dirty="0">
+              <a:rPr lang="ja-JP" altLang="en-US" dirty="0">
                 <a:solidFill>
                   <a:schemeClr val="tx2"/>
                 </a:solidFill>
                 <a:latin typeface="Meiryo UI" panose="020B0604030504040204" pitchFamily="50" charset="-128"/>
                 <a:ea typeface="Meiryo UI" panose="020B0604030504040204" pitchFamily="50" charset="-128"/>
               </a:rPr>
-              <a:t>を導入したいけど，誰に相談したら良いかも分からないといった状況です．やはり都会から離れれば離れるほど</a:t>
-            </a:r>
-            <a:r>
-              <a:rPr lang="en-US" altLang="ja-JP" sz="1600" dirty="0">
+              <a:t>による課題解決の一連工程を経験して</a:t>
+            </a:r>
+            <a:r>
+              <a:rPr lang="en-US" altLang="ja-JP" dirty="0">
                 <a:solidFill>
                   <a:schemeClr val="tx2"/>
                 </a:solidFill>
                 <a:latin typeface="Meiryo UI" panose="020B0604030504040204" pitchFamily="50" charset="-128"/>
                 <a:ea typeface="Meiryo UI" panose="020B0604030504040204" pitchFamily="50" charset="-128"/>
               </a:rPr>
-              <a:t>IT</a:t>
-            </a:r>
-            <a:r>
-              <a:rPr lang="ja-JP" altLang="en-US" sz="1600" dirty="0">
+              <a:t>IT×</a:t>
+            </a:r>
+            <a:r>
+              <a:rPr lang="ja-JP" altLang="en-US" dirty="0">
                 <a:solidFill>
                   <a:schemeClr val="tx2"/>
                 </a:solidFill>
                 <a:latin typeface="Meiryo UI" panose="020B0604030504040204" pitchFamily="50" charset="-128"/>
                 <a:ea typeface="Meiryo UI" panose="020B0604030504040204" pitchFamily="50" charset="-128"/>
               </a:rPr>
-              <a:t>化は遅れ，最終的にはそこにある企業は衰退していきます．そうなると地域自体が衰退していきます．それらを私の手で救うために</a:t>
-            </a:r>
-            <a:r>
-              <a:rPr lang="en-US" altLang="ja-JP" sz="1600" dirty="0">
-                <a:solidFill>
-                  <a:schemeClr val="tx2"/>
-                </a:solidFill>
-                <a:latin typeface="Meiryo UI" panose="020B0604030504040204" pitchFamily="50" charset="-128"/>
-                <a:ea typeface="Meiryo UI" panose="020B0604030504040204" pitchFamily="50" charset="-128"/>
-              </a:rPr>
-              <a:t>IT</a:t>
-            </a:r>
-            <a:r>
-              <a:rPr lang="ja-JP" altLang="en-US" sz="1600" dirty="0">
-                <a:solidFill>
-                  <a:schemeClr val="tx2"/>
-                </a:solidFill>
-                <a:latin typeface="Meiryo UI" panose="020B0604030504040204" pitchFamily="50" charset="-128"/>
-                <a:ea typeface="Meiryo UI" panose="020B0604030504040204" pitchFamily="50" charset="-128"/>
-              </a:rPr>
-              <a:t>業界を志望しています．私は機械系の分野を学んできましたが，その知識だけではお客様の解決はできません．</a:t>
-            </a:r>
-            <a:endParaRPr lang="en-US" altLang="ja-JP" sz="1600" dirty="0">
+              <a:t>機械の技術を身に着けていきたいと考えています． </a:t>
+            </a:r>
+            <a:endParaRPr lang="en-US" altLang="ja-JP" dirty="0">
               <a:solidFill>
                 <a:schemeClr val="tx2"/>
               </a:solidFill>
@@ -4212,7 +4192,7 @@
               <a:tabLst/>
             </a:pPr>
             <a:r>
-              <a:rPr kumimoji="1" lang="en-US" altLang="ja-JP" sz="1600" b="0" i="0" u="none" strike="noStrike" cap="none" normalizeH="0" baseline="0" dirty="0">
+              <a:rPr kumimoji="1" lang="en-US" altLang="ja-JP" b="0" i="0" u="none" strike="noStrike" cap="none" normalizeH="0" baseline="0" dirty="0">
                 <a:ln>
                   <a:noFill/>
                 </a:ln>
@@ -4223,19 +4203,130 @@
                 <a:latin typeface="Meiryo UI" panose="020B0604030504040204" pitchFamily="50" charset="-128"/>
                 <a:ea typeface="Meiryo UI" panose="020B0604030504040204" pitchFamily="50" charset="-128"/>
               </a:rPr>
-              <a:t>a</a:t>
-            </a:r>
-            <a:endParaRPr kumimoji="1" lang="ja-JP" altLang="en-US" sz="1600" b="0" i="0" u="none" strike="noStrike" cap="none" normalizeH="0" baseline="0" dirty="0">
-              <a:ln>
-                <a:noFill/>
-              </a:ln>
-              <a:solidFill>
-                <a:schemeClr val="tx2"/>
-              </a:solidFill>
-              <a:effectLst/>
-              <a:latin typeface="Meiryo UI" panose="020B0604030504040204" pitchFamily="50" charset="-128"/>
-              <a:ea typeface="Meiryo UI" panose="020B0604030504040204" pitchFamily="50" charset="-128"/>
-            </a:endParaRPr>
+              <a:t>IT</a:t>
+            </a:r>
+            <a:r>
+              <a:rPr kumimoji="1" lang="ja-JP" altLang="en-US" b="0" i="0" u="none" strike="noStrike" cap="none" normalizeH="0" baseline="0" dirty="0">
+                <a:ln>
+                  <a:noFill/>
+                </a:ln>
+                <a:solidFill>
+                  <a:schemeClr val="tx2"/>
+                </a:solidFill>
+                <a:effectLst/>
+                <a:latin typeface="Meiryo UI" panose="020B0604030504040204" pitchFamily="50" charset="-128"/>
+                <a:ea typeface="Meiryo UI" panose="020B0604030504040204" pitchFamily="50" charset="-128"/>
+              </a:rPr>
+              <a:t>で実現したいことは，ロボットなどの動く機械と</a:t>
+            </a:r>
+            <a:r>
+              <a:rPr kumimoji="1" lang="en-US" altLang="ja-JP" b="0" i="0" u="none" strike="noStrike" cap="none" normalizeH="0" baseline="0" dirty="0">
+                <a:ln>
+                  <a:noFill/>
+                </a:ln>
+                <a:solidFill>
+                  <a:schemeClr val="tx2"/>
+                </a:solidFill>
+                <a:effectLst/>
+                <a:latin typeface="Meiryo UI" panose="020B0604030504040204" pitchFamily="50" charset="-128"/>
+                <a:ea typeface="Meiryo UI" panose="020B0604030504040204" pitchFamily="50" charset="-128"/>
+              </a:rPr>
+              <a:t>IT</a:t>
+            </a:r>
+            <a:r>
+              <a:rPr kumimoji="1" lang="ja-JP" altLang="en-US" b="0" i="0" u="none" strike="noStrike" cap="none" normalizeH="0" baseline="0" dirty="0">
+                <a:ln>
+                  <a:noFill/>
+                </a:ln>
+                <a:solidFill>
+                  <a:schemeClr val="tx2"/>
+                </a:solidFill>
+                <a:effectLst/>
+                <a:latin typeface="Meiryo UI" panose="020B0604030504040204" pitchFamily="50" charset="-128"/>
+                <a:ea typeface="Meiryo UI" panose="020B0604030504040204" pitchFamily="50" charset="-128"/>
+              </a:rPr>
+              <a:t>をリンクさせて無人の店舗・工場を実現したいと考えています．現在，無人の店舗・工場は最先端の技術を有している企業にしか導入されていません．また，最先端技術である</a:t>
+            </a:r>
+            <a:r>
+              <a:rPr lang="ja-JP" altLang="en-US" dirty="0">
+                <a:solidFill>
+                  <a:schemeClr val="tx2"/>
+                </a:solidFill>
+                <a:latin typeface="Meiryo UI" panose="020B0604030504040204" pitchFamily="50" charset="-128"/>
+                <a:ea typeface="Meiryo UI" panose="020B0604030504040204" pitchFamily="50" charset="-128"/>
+              </a:rPr>
+              <a:t>ため</a:t>
+            </a:r>
+            <a:r>
+              <a:rPr kumimoji="1" lang="ja-JP" altLang="en-US" b="0" i="0" u="none" strike="noStrike" cap="none" normalizeH="0" baseline="0" dirty="0">
+                <a:ln>
+                  <a:noFill/>
+                </a:ln>
+                <a:solidFill>
+                  <a:schemeClr val="tx2"/>
+                </a:solidFill>
+                <a:effectLst/>
+                <a:latin typeface="Meiryo UI" panose="020B0604030504040204" pitchFamily="50" charset="-128"/>
+                <a:ea typeface="Meiryo UI" panose="020B0604030504040204" pitchFamily="50" charset="-128"/>
+              </a:rPr>
+              <a:t>導入にはかなりの費用がかかります．それらを機械系の知識を生かしてできるだけ費用を抑え，地域の小さな工場などにも導入したいと考えています． これらを実現するためには，ロボットなどを出来る限り最小限の構成で開発・組立てを行う必要があります．また，ロボットの知識だけではなく，それらのデータを集め，活用するためにネットワーク・サーバーの知識も必要となります．そのため，それらを両立させるべく</a:t>
+            </a:r>
+            <a:r>
+              <a:rPr kumimoji="1" lang="en-US" altLang="ja-JP" b="0" i="0" u="none" strike="noStrike" cap="none" normalizeH="0" baseline="0" dirty="0">
+                <a:ln>
+                  <a:noFill/>
+                </a:ln>
+                <a:solidFill>
+                  <a:schemeClr val="tx2"/>
+                </a:solidFill>
+                <a:effectLst/>
+                <a:latin typeface="Meiryo UI" panose="020B0604030504040204" pitchFamily="50" charset="-128"/>
+                <a:ea typeface="Meiryo UI" panose="020B0604030504040204" pitchFamily="50" charset="-128"/>
+              </a:rPr>
+              <a:t>IT</a:t>
+            </a:r>
+            <a:r>
+              <a:rPr kumimoji="1" lang="ja-JP" altLang="en-US" b="0" i="0" u="none" strike="noStrike" cap="none" normalizeH="0" baseline="0" dirty="0">
+                <a:ln>
+                  <a:noFill/>
+                </a:ln>
+                <a:solidFill>
+                  <a:schemeClr val="tx2"/>
+                </a:solidFill>
+                <a:effectLst/>
+                <a:latin typeface="Meiryo UI" panose="020B0604030504040204" pitchFamily="50" charset="-128"/>
+                <a:ea typeface="Meiryo UI" panose="020B0604030504040204" pitchFamily="50" charset="-128"/>
+              </a:rPr>
+              <a:t>業界において，知識を蓄え</a:t>
+            </a:r>
+            <a:r>
+              <a:rPr kumimoji="1" lang="en-US" altLang="ja-JP" b="0" i="0" u="none" strike="noStrike" cap="none" normalizeH="0" baseline="0" dirty="0">
+                <a:ln>
+                  <a:noFill/>
+                </a:ln>
+                <a:solidFill>
+                  <a:schemeClr val="tx2"/>
+                </a:solidFill>
+                <a:effectLst/>
+                <a:latin typeface="Meiryo UI" panose="020B0604030504040204" pitchFamily="50" charset="-128"/>
+                <a:ea typeface="Meiryo UI" panose="020B0604030504040204" pitchFamily="50" charset="-128"/>
+              </a:rPr>
+              <a:t>IT×</a:t>
+            </a:r>
+            <a:r>
+              <a:rPr kumimoji="1" lang="ja-JP" altLang="en-US" b="0" i="0" u="none" strike="noStrike" cap="none" normalizeH="0" baseline="0" dirty="0">
+                <a:ln>
+                  <a:noFill/>
+                </a:ln>
+                <a:solidFill>
+                  <a:schemeClr val="tx2"/>
+                </a:solidFill>
+                <a:effectLst/>
+                <a:latin typeface="Meiryo UI" panose="020B0604030504040204" pitchFamily="50" charset="-128"/>
+                <a:ea typeface="Meiryo UI" panose="020B0604030504040204" pitchFamily="50" charset="-128"/>
+              </a:rPr>
+              <a:t>機械のソリューションを提案できるよう尽力したいと考えています．</a:t>
+            </a:r>
           </a:p>
         </p:txBody>
       </p:sp>
@@ -4298,7 +4389,7 @@
               <a:tabLst/>
             </a:pPr>
             <a:r>
-              <a:rPr kumimoji="1" lang="en-US" altLang="ja-JP" sz="1600" b="0" i="0" u="none" strike="noStrike" cap="none" normalizeH="0" baseline="0" dirty="0">
+              <a:rPr kumimoji="1" lang="ja-JP" altLang="en-US" b="0" i="0" u="none" strike="noStrike" cap="none" normalizeH="0" baseline="0" dirty="0">
                 <a:ln>
                   <a:noFill/>
                 </a:ln>
@@ -4309,19 +4400,64 @@
                 <a:latin typeface="Meiryo UI" panose="020B0604030504040204" pitchFamily="50" charset="-128"/>
                 <a:ea typeface="Meiryo UI" panose="020B0604030504040204" pitchFamily="50" charset="-128"/>
               </a:rPr>
-              <a:t>a</a:t>
-            </a:r>
-            <a:endParaRPr kumimoji="1" lang="ja-JP" altLang="en-US" sz="1600" b="0" i="0" u="none" strike="noStrike" cap="none" normalizeH="0" baseline="0" dirty="0">
-              <a:ln>
-                <a:noFill/>
-              </a:ln>
-              <a:solidFill>
-                <a:schemeClr val="tx2"/>
-              </a:solidFill>
-              <a:effectLst/>
-              <a:latin typeface="Meiryo UI" panose="020B0604030504040204" pitchFamily="50" charset="-128"/>
-              <a:ea typeface="Meiryo UI" panose="020B0604030504040204" pitchFamily="50" charset="-128"/>
-            </a:endParaRPr>
+              <a:t>私の最終的な目標は，</a:t>
+            </a:r>
+            <a:r>
+              <a:rPr kumimoji="1" lang="en-US" altLang="ja-JP" b="0" i="0" u="none" strike="noStrike" cap="none" normalizeH="0" baseline="0" dirty="0">
+                <a:ln>
+                  <a:noFill/>
+                </a:ln>
+                <a:solidFill>
+                  <a:schemeClr val="tx2"/>
+                </a:solidFill>
+                <a:effectLst/>
+                <a:latin typeface="Meiryo UI" panose="020B0604030504040204" pitchFamily="50" charset="-128"/>
+                <a:ea typeface="Meiryo UI" panose="020B0604030504040204" pitchFamily="50" charset="-128"/>
+              </a:rPr>
+              <a:t>IT×</a:t>
+            </a:r>
+            <a:r>
+              <a:rPr kumimoji="1" lang="ja-JP" altLang="en-US" b="0" i="0" u="none" strike="noStrike" cap="none" normalizeH="0" baseline="0" dirty="0">
+                <a:ln>
+                  <a:noFill/>
+                </a:ln>
+                <a:solidFill>
+                  <a:schemeClr val="tx2"/>
+                </a:solidFill>
+                <a:effectLst/>
+                <a:latin typeface="Meiryo UI" panose="020B0604030504040204" pitchFamily="50" charset="-128"/>
+                <a:ea typeface="Meiryo UI" panose="020B0604030504040204" pitchFamily="50" charset="-128"/>
+              </a:rPr>
+              <a:t>機械で地域の課題を解決したいと考えています．そのためには，入社５年まではプログラマーとしてシステム開発における知識・経験を積んでいきたいと考えています．その間に今まで勉強してきた機械系の知識はもちろん，特にロボット制御・センシング技術について，主に書籍を通して学んでいきます．入社５年後は，お客様の課題を的確に捉え，ソリューションを提案できるよう上流工程に携わり，より深い知識と経験を積んでいきます．入社１０年後は，機械から取得したデータの活用・データから機械を制御する知識の専門として，システム開発をけん引したいと考えています．最終的には，</a:t>
+            </a:r>
+            <a:r>
+              <a:rPr kumimoji="1" lang="en-US" altLang="ja-JP" b="0" i="0" u="none" strike="noStrike" cap="none" normalizeH="0" baseline="0" dirty="0">
+                <a:ln>
+                  <a:noFill/>
+                </a:ln>
+                <a:solidFill>
+                  <a:schemeClr val="tx2"/>
+                </a:solidFill>
+                <a:effectLst/>
+                <a:latin typeface="Meiryo UI" panose="020B0604030504040204" pitchFamily="50" charset="-128"/>
+                <a:ea typeface="Meiryo UI" panose="020B0604030504040204" pitchFamily="50" charset="-128"/>
+              </a:rPr>
+              <a:t>IT</a:t>
+            </a:r>
+            <a:r>
+              <a:rPr kumimoji="1" lang="ja-JP" altLang="en-US" b="0" i="0" u="none" strike="noStrike" cap="none" normalizeH="0" baseline="0" dirty="0">
+                <a:ln>
+                  <a:noFill/>
+                </a:ln>
+                <a:solidFill>
+                  <a:schemeClr val="tx2"/>
+                </a:solidFill>
+                <a:effectLst/>
+                <a:latin typeface="Meiryo UI" panose="020B0604030504040204" pitchFamily="50" charset="-128"/>
+                <a:ea typeface="Meiryo UI" panose="020B0604030504040204" pitchFamily="50" charset="-128"/>
+              </a:rPr>
+              <a:t>を活用した機械の知識を有したエンジニアになり，地域の課題を解決したいと考えています．</a:t>
+            </a:r>
           </a:p>
         </p:txBody>
       </p:sp>
@@ -5545,6 +5681,21 @@
 </file>
 
 <file path=customXml/item1.xml><?xml version="1.0" encoding="utf-8"?>
+<?mso-contentType ?>
+<FormTemplates xmlns="http://schemas.microsoft.com/sharepoint/v3/contenttype/forms">
+  <Display>DocumentLibraryForm</Display>
+  <Edit>DocumentLibraryForm</Edit>
+  <New>DocumentLibraryForm</New>
+</FormTemplates>
+</file>
+
+<file path=customXml/item2.xml><?xml version="1.0" encoding="utf-8"?>
+<p:properties xmlns:p="http://schemas.microsoft.com/office/2006/metadata/properties" xmlns:xsi="http://www.w3.org/2001/XMLSchema-instance">
+  <documentManagement/>
+</p:properties>
+</file>
+
+<file path=customXml/item3.xml><?xml version="1.0" encoding="utf-8"?>
 <ct:contentTypeSchema xmlns:ct="http://schemas.microsoft.com/office/2006/metadata/contentType" xmlns:ma="http://schemas.microsoft.com/office/2006/metadata/properties/metaAttributes" ct:_="" ma:_="" ma:contentTypeName="ドキュメント" ma:contentTypeID="0x010100D90B325E6892AD4FA473706664B18A7D" ma:contentTypeVersion="0" ma:contentTypeDescription="新しいドキュメントを作成します。" ma:contentTypeScope="" ma:versionID="88dc045d89b1bcf1f51fb0fff5ca5938">
   <xsd:schema xmlns:xsd="http://www.w3.org/2001/XMLSchema" xmlns:p="http://schemas.microsoft.com/office/2006/metadata/properties" targetNamespace="http://schemas.microsoft.com/office/2006/metadata/properties" ma:root="true" ma:fieldsID="f4cff559f9a06213828a8956bc5bb220">
     <xsd:element name="properties">
@@ -5593,32 +5744,10 @@
 </ct:contentTypeSchema>
 </file>
 
-<file path=customXml/item2.xml><?xml version="1.0" encoding="utf-8"?>
-<p:properties xmlns:p="http://schemas.microsoft.com/office/2006/metadata/properties" xmlns:xsi="http://www.w3.org/2001/XMLSchema-instance">
-  <documentManagement/>
-</p:properties>
-</file>
-
-<file path=customXml/item3.xml><?xml version="1.0" encoding="utf-8"?>
-<?mso-contentType ?>
-<FormTemplates xmlns="http://schemas.microsoft.com/sharepoint/v3/contenttype/forms">
-  <Display>DocumentLibraryForm</Display>
-  <Edit>DocumentLibraryForm</Edit>
-  <New>DocumentLibraryForm</New>
-</FormTemplates>
-</file>
-
 <file path=customXml/itemProps1.xml><?xml version="1.0" encoding="utf-8"?>
-<ds:datastoreItem xmlns:ds="http://schemas.openxmlformats.org/officeDocument/2006/customXml" ds:itemID="{9C049CBC-2CF0-4144-8497-1908E9DC485E}">
+<ds:datastoreItem xmlns:ds="http://schemas.openxmlformats.org/officeDocument/2006/customXml" ds:itemID="{7E1A7E4F-CBBE-41CC-B455-C0337DF3F3D5}">
   <ds:schemaRefs>
-    <ds:schemaRef ds:uri="http://schemas.microsoft.com/office/2006/metadata/contentType"/>
-    <ds:schemaRef ds:uri="http://schemas.microsoft.com/office/2006/metadata/properties/metaAttributes"/>
-    <ds:schemaRef ds:uri="http://www.w3.org/2001/XMLSchema"/>
-    <ds:schemaRef ds:uri="http://schemas.microsoft.com/office/2006/metadata/properties"/>
-    <ds:schemaRef ds:uri="http://schemas.openxmlformats.org/package/2006/metadata/core-properties"/>
-    <ds:schemaRef ds:uri="http://purl.org/dc/elements/1.1/"/>
-    <ds:schemaRef ds:uri="http://purl.org/dc/terms/"/>
-    <ds:schemaRef ds:uri="http://schemas.microsoft.com/office/internal/2005/internalDocumentation"/>
+    <ds:schemaRef ds:uri="http://schemas.microsoft.com/sharepoint/v3/contenttype/forms"/>
   </ds:schemaRefs>
 </ds:datastoreItem>
 </file>
@@ -5638,9 +5767,16 @@
 </file>
 
 <file path=customXml/itemProps3.xml><?xml version="1.0" encoding="utf-8"?>
-<ds:datastoreItem xmlns:ds="http://schemas.openxmlformats.org/officeDocument/2006/customXml" ds:itemID="{7E1A7E4F-CBBE-41CC-B455-C0337DF3F3D5}">
+<ds:datastoreItem xmlns:ds="http://schemas.openxmlformats.org/officeDocument/2006/customXml" ds:itemID="{9C049CBC-2CF0-4144-8497-1908E9DC485E}">
   <ds:schemaRefs>
-    <ds:schemaRef ds:uri="http://schemas.microsoft.com/sharepoint/v3/contenttype/forms"/>
+    <ds:schemaRef ds:uri="http://schemas.microsoft.com/office/2006/metadata/contentType"/>
+    <ds:schemaRef ds:uri="http://schemas.microsoft.com/office/2006/metadata/properties/metaAttributes"/>
+    <ds:schemaRef ds:uri="http://www.w3.org/2001/XMLSchema"/>
+    <ds:schemaRef ds:uri="http://schemas.microsoft.com/office/2006/metadata/properties"/>
+    <ds:schemaRef ds:uri="http://schemas.openxmlformats.org/package/2006/metadata/core-properties"/>
+    <ds:schemaRef ds:uri="http://purl.org/dc/elements/1.1/"/>
+    <ds:schemaRef ds:uri="http://purl.org/dc/terms/"/>
+    <ds:schemaRef ds:uri="http://schemas.microsoft.com/office/internal/2005/internalDocumentation"/>
   </ds:schemaRefs>
 </ds:datastoreItem>
 </file>